--- a/CSE-6159-SSA/ProTutorBD.pptx
+++ b/CSE-6159-SSA/ProTutorBD.pptx
@@ -7,7 +7,7 @@
     <p:sldMasterId id="2147483673" r:id="rId3"/>
   </p:sldMasterIdLst>
   <p:notesMasterIdLst>
-    <p:notesMasterId r:id="rId19"/>
+    <p:notesMasterId r:id="rId20"/>
   </p:notesMasterIdLst>
   <p:sldIdLst>
     <p:sldId id="347" r:id="rId4"/>
@@ -24,7 +24,8 @@
     <p:sldId id="365" r:id="rId15"/>
     <p:sldId id="359" r:id="rId16"/>
     <p:sldId id="356" r:id="rId17"/>
-    <p:sldId id="346" r:id="rId18"/>
+    <p:sldId id="366" r:id="rId18"/>
+    <p:sldId id="346" r:id="rId19"/>
   </p:sldIdLst>
   <p:sldSz cx="12192000" cy="6858000"/>
   <p:notesSz cx="6858000" cy="9144000"/>
@@ -537,6 +538,388 @@
 
 <file path=ppt/slideLayouts/slideLayout10.xml><?xml version="1.0" encoding="utf-8"?>
 <p:sldLayout xmlns:a="http://schemas.openxmlformats.org/drawingml/2006/main" xmlns:r="http://schemas.openxmlformats.org/officeDocument/2006/relationships" xmlns:p="http://schemas.openxmlformats.org/presentationml/2006/main" preserve="1" userDrawn="1">
+  <p:cSld name="7_Contents slide layout">
+    <p:spTree>
+      <p:nvGrpSpPr>
+        <p:cNvPr id="1" name=""/>
+        <p:cNvGrpSpPr/>
+        <p:nvPr/>
+      </p:nvGrpSpPr>
+      <p:grpSpPr>
+        <a:xfrm>
+          <a:off x="0" y="0"/>
+          <a:ext cx="0" cy="0"/>
+          <a:chOff x="0" y="0"/>
+          <a:chExt cx="0" cy="0"/>
+        </a:xfrm>
+      </p:grpSpPr>
+      <p:sp>
+        <p:nvSpPr>
+          <p:cNvPr id="10" name="그림 개체 틀 9">
+            <a:extLst>
+              <a:ext uri="{FF2B5EF4-FFF2-40B4-BE49-F238E27FC236}">
+                <a16:creationId xmlns:a16="http://schemas.microsoft.com/office/drawing/2014/main" id="{28522DAF-F091-475D-9453-DFCEB7833B2B}"/>
+              </a:ext>
+            </a:extLst>
+          </p:cNvPr>
+          <p:cNvSpPr>
+            <a:spLocks noGrp="1"/>
+          </p:cNvSpPr>
+          <p:nvPr>
+            <p:ph type="pic" idx="14" hasCustomPrompt="1"/>
+          </p:nvPr>
+        </p:nvSpPr>
+        <p:spPr>
+          <a:xfrm>
+            <a:off x="5362576" y="-1"/>
+            <a:ext cx="6638925" cy="6858000"/>
+          </a:xfrm>
+          <a:custGeom>
+            <a:avLst/>
+            <a:gdLst>
+              <a:gd name="connsiteX0" fmla="*/ 625981 w 6638925"/>
+              <a:gd name="connsiteY0" fmla="*/ 1038225 h 6858000"/>
+              <a:gd name="connsiteX1" fmla="*/ 1251962 w 6638925"/>
+              <a:gd name="connsiteY1" fmla="*/ 1664206 h 6858000"/>
+              <a:gd name="connsiteX2" fmla="*/ 1251962 w 6638925"/>
+              <a:gd name="connsiteY2" fmla="*/ 6858000 h 6858000"/>
+              <a:gd name="connsiteX3" fmla="*/ 0 w 6638925"/>
+              <a:gd name="connsiteY3" fmla="*/ 6858000 h 6858000"/>
+              <a:gd name="connsiteX4" fmla="*/ 0 w 6638925"/>
+              <a:gd name="connsiteY4" fmla="*/ 1664206 h 6858000"/>
+              <a:gd name="connsiteX5" fmla="*/ 625981 w 6638925"/>
+              <a:gd name="connsiteY5" fmla="*/ 1038225 h 6858000"/>
+              <a:gd name="connsiteX6" fmla="*/ 4681632 w 6638925"/>
+              <a:gd name="connsiteY6" fmla="*/ 1038224 h 6858000"/>
+              <a:gd name="connsiteX7" fmla="*/ 5307613 w 6638925"/>
+              <a:gd name="connsiteY7" fmla="*/ 1664205 h 6858000"/>
+              <a:gd name="connsiteX8" fmla="*/ 5307613 w 6638925"/>
+              <a:gd name="connsiteY8" fmla="*/ 6857999 h 6858000"/>
+              <a:gd name="connsiteX9" fmla="*/ 4055651 w 6638925"/>
+              <a:gd name="connsiteY9" fmla="*/ 6857999 h 6858000"/>
+              <a:gd name="connsiteX10" fmla="*/ 4055651 w 6638925"/>
+              <a:gd name="connsiteY10" fmla="*/ 1664205 h 6858000"/>
+              <a:gd name="connsiteX11" fmla="*/ 4681632 w 6638925"/>
+              <a:gd name="connsiteY11" fmla="*/ 1038224 h 6858000"/>
+              <a:gd name="connsiteX12" fmla="*/ 3350320 w 6638925"/>
+              <a:gd name="connsiteY12" fmla="*/ 171448 h 6858000"/>
+              <a:gd name="connsiteX13" fmla="*/ 3976301 w 6638925"/>
+              <a:gd name="connsiteY13" fmla="*/ 797429 h 6858000"/>
+              <a:gd name="connsiteX14" fmla="*/ 3976301 w 6638925"/>
+              <a:gd name="connsiteY14" fmla="*/ 6857999 h 6858000"/>
+              <a:gd name="connsiteX15" fmla="*/ 2724339 w 6638925"/>
+              <a:gd name="connsiteY15" fmla="*/ 6857999 h 6858000"/>
+              <a:gd name="connsiteX16" fmla="*/ 2724339 w 6638925"/>
+              <a:gd name="connsiteY16" fmla="*/ 797429 h 6858000"/>
+              <a:gd name="connsiteX17" fmla="*/ 3350320 w 6638925"/>
+              <a:gd name="connsiteY17" fmla="*/ 171448 h 6858000"/>
+              <a:gd name="connsiteX18" fmla="*/ 5386963 w 6638925"/>
+              <a:gd name="connsiteY18" fmla="*/ 0 h 6858000"/>
+              <a:gd name="connsiteX19" fmla="*/ 6638925 w 6638925"/>
+              <a:gd name="connsiteY19" fmla="*/ 0 h 6858000"/>
+              <a:gd name="connsiteX20" fmla="*/ 6638925 w 6638925"/>
+              <a:gd name="connsiteY20" fmla="*/ 5798629 h 6858000"/>
+              <a:gd name="connsiteX21" fmla="*/ 6012944 w 6638925"/>
+              <a:gd name="connsiteY21" fmla="*/ 6424610 h 6858000"/>
+              <a:gd name="connsiteX22" fmla="*/ 5386963 w 6638925"/>
+              <a:gd name="connsiteY22" fmla="*/ 5798629 h 6858000"/>
+              <a:gd name="connsiteX23" fmla="*/ 1393027 w 6638925"/>
+              <a:gd name="connsiteY23" fmla="*/ 0 h 6858000"/>
+              <a:gd name="connsiteX24" fmla="*/ 2644989 w 6638925"/>
+              <a:gd name="connsiteY24" fmla="*/ 0 h 6858000"/>
+              <a:gd name="connsiteX25" fmla="*/ 2644989 w 6638925"/>
+              <a:gd name="connsiteY25" fmla="*/ 5193794 h 6858000"/>
+              <a:gd name="connsiteX26" fmla="*/ 2019008 w 6638925"/>
+              <a:gd name="connsiteY26" fmla="*/ 5819775 h 6858000"/>
+              <a:gd name="connsiteX27" fmla="*/ 1393027 w 6638925"/>
+              <a:gd name="connsiteY27" fmla="*/ 5193794 h 6858000"/>
+            </a:gdLst>
+            <a:ahLst/>
+            <a:cxnLst>
+              <a:cxn ang="0">
+                <a:pos x="connsiteX0" y="connsiteY0"/>
+              </a:cxn>
+              <a:cxn ang="0">
+                <a:pos x="connsiteX1" y="connsiteY1"/>
+              </a:cxn>
+              <a:cxn ang="0">
+                <a:pos x="connsiteX2" y="connsiteY2"/>
+              </a:cxn>
+              <a:cxn ang="0">
+                <a:pos x="connsiteX3" y="connsiteY3"/>
+              </a:cxn>
+              <a:cxn ang="0">
+                <a:pos x="connsiteX4" y="connsiteY4"/>
+              </a:cxn>
+              <a:cxn ang="0">
+                <a:pos x="connsiteX5" y="connsiteY5"/>
+              </a:cxn>
+              <a:cxn ang="0">
+                <a:pos x="connsiteX6" y="connsiteY6"/>
+              </a:cxn>
+              <a:cxn ang="0">
+                <a:pos x="connsiteX7" y="connsiteY7"/>
+              </a:cxn>
+              <a:cxn ang="0">
+                <a:pos x="connsiteX8" y="connsiteY8"/>
+              </a:cxn>
+              <a:cxn ang="0">
+                <a:pos x="connsiteX9" y="connsiteY9"/>
+              </a:cxn>
+              <a:cxn ang="0">
+                <a:pos x="connsiteX10" y="connsiteY10"/>
+              </a:cxn>
+              <a:cxn ang="0">
+                <a:pos x="connsiteX11" y="connsiteY11"/>
+              </a:cxn>
+              <a:cxn ang="0">
+                <a:pos x="connsiteX12" y="connsiteY12"/>
+              </a:cxn>
+              <a:cxn ang="0">
+                <a:pos x="connsiteX13" y="connsiteY13"/>
+              </a:cxn>
+              <a:cxn ang="0">
+                <a:pos x="connsiteX14" y="connsiteY14"/>
+              </a:cxn>
+              <a:cxn ang="0">
+                <a:pos x="connsiteX15" y="connsiteY15"/>
+              </a:cxn>
+              <a:cxn ang="0">
+                <a:pos x="connsiteX16" y="connsiteY16"/>
+              </a:cxn>
+              <a:cxn ang="0">
+                <a:pos x="connsiteX17" y="connsiteY17"/>
+              </a:cxn>
+              <a:cxn ang="0">
+                <a:pos x="connsiteX18" y="connsiteY18"/>
+              </a:cxn>
+              <a:cxn ang="0">
+                <a:pos x="connsiteX19" y="connsiteY19"/>
+              </a:cxn>
+              <a:cxn ang="0">
+                <a:pos x="connsiteX20" y="connsiteY20"/>
+              </a:cxn>
+              <a:cxn ang="0">
+                <a:pos x="connsiteX21" y="connsiteY21"/>
+              </a:cxn>
+              <a:cxn ang="0">
+                <a:pos x="connsiteX22" y="connsiteY22"/>
+              </a:cxn>
+              <a:cxn ang="0">
+                <a:pos x="connsiteX23" y="connsiteY23"/>
+              </a:cxn>
+              <a:cxn ang="0">
+                <a:pos x="connsiteX24" y="connsiteY24"/>
+              </a:cxn>
+              <a:cxn ang="0">
+                <a:pos x="connsiteX25" y="connsiteY25"/>
+              </a:cxn>
+              <a:cxn ang="0">
+                <a:pos x="connsiteX26" y="connsiteY26"/>
+              </a:cxn>
+              <a:cxn ang="0">
+                <a:pos x="connsiteX27" y="connsiteY27"/>
+              </a:cxn>
+            </a:cxnLst>
+            <a:rect l="l" t="t" r="r" b="b"/>
+            <a:pathLst>
+              <a:path w="6638925" h="6858000">
+                <a:moveTo>
+                  <a:pt x="625981" y="1038225"/>
+                </a:moveTo>
+                <a:cubicBezTo>
+                  <a:pt x="971701" y="1038225"/>
+                  <a:pt x="1251962" y="1318486"/>
+                  <a:pt x="1251962" y="1664206"/>
+                </a:cubicBezTo>
+                <a:lnTo>
+                  <a:pt x="1251962" y="6858000"/>
+                </a:lnTo>
+                <a:lnTo>
+                  <a:pt x="0" y="6858000"/>
+                </a:lnTo>
+                <a:lnTo>
+                  <a:pt x="0" y="1664206"/>
+                </a:lnTo>
+                <a:cubicBezTo>
+                  <a:pt x="0" y="1318486"/>
+                  <a:pt x="280261" y="1038225"/>
+                  <a:pt x="625981" y="1038225"/>
+                </a:cubicBezTo>
+                <a:close/>
+                <a:moveTo>
+                  <a:pt x="4681632" y="1038224"/>
+                </a:moveTo>
+                <a:cubicBezTo>
+                  <a:pt x="5027352" y="1038224"/>
+                  <a:pt x="5307613" y="1318485"/>
+                  <a:pt x="5307613" y="1664205"/>
+                </a:cubicBezTo>
+                <a:lnTo>
+                  <a:pt x="5307613" y="6857999"/>
+                </a:lnTo>
+                <a:lnTo>
+                  <a:pt x="4055651" y="6857999"/>
+                </a:lnTo>
+                <a:lnTo>
+                  <a:pt x="4055651" y="1664205"/>
+                </a:lnTo>
+                <a:cubicBezTo>
+                  <a:pt x="4055651" y="1318485"/>
+                  <a:pt x="4335912" y="1038224"/>
+                  <a:pt x="4681632" y="1038224"/>
+                </a:cubicBezTo>
+                <a:close/>
+                <a:moveTo>
+                  <a:pt x="3350320" y="171448"/>
+                </a:moveTo>
+                <a:cubicBezTo>
+                  <a:pt x="3696040" y="171448"/>
+                  <a:pt x="3976301" y="451709"/>
+                  <a:pt x="3976301" y="797429"/>
+                </a:cubicBezTo>
+                <a:lnTo>
+                  <a:pt x="3976301" y="6857999"/>
+                </a:lnTo>
+                <a:lnTo>
+                  <a:pt x="2724339" y="6857999"/>
+                </a:lnTo>
+                <a:lnTo>
+                  <a:pt x="2724339" y="797429"/>
+                </a:lnTo>
+                <a:cubicBezTo>
+                  <a:pt x="2724339" y="451709"/>
+                  <a:pt x="3004600" y="171448"/>
+                  <a:pt x="3350320" y="171448"/>
+                </a:cubicBezTo>
+                <a:close/>
+                <a:moveTo>
+                  <a:pt x="5386963" y="0"/>
+                </a:moveTo>
+                <a:lnTo>
+                  <a:pt x="6638925" y="0"/>
+                </a:lnTo>
+                <a:lnTo>
+                  <a:pt x="6638925" y="5798629"/>
+                </a:lnTo>
+                <a:cubicBezTo>
+                  <a:pt x="6638925" y="6144349"/>
+                  <a:pt x="6358664" y="6424610"/>
+                  <a:pt x="6012944" y="6424610"/>
+                </a:cubicBezTo>
+                <a:cubicBezTo>
+                  <a:pt x="5667224" y="6424610"/>
+                  <a:pt x="5386963" y="6144349"/>
+                  <a:pt x="5386963" y="5798629"/>
+                </a:cubicBezTo>
+                <a:close/>
+                <a:moveTo>
+                  <a:pt x="1393027" y="0"/>
+                </a:moveTo>
+                <a:lnTo>
+                  <a:pt x="2644989" y="0"/>
+                </a:lnTo>
+                <a:lnTo>
+                  <a:pt x="2644989" y="5193794"/>
+                </a:lnTo>
+                <a:cubicBezTo>
+                  <a:pt x="2644989" y="5539514"/>
+                  <a:pt x="2364728" y="5819775"/>
+                  <a:pt x="2019008" y="5819775"/>
+                </a:cubicBezTo>
+                <a:cubicBezTo>
+                  <a:pt x="1673288" y="5819775"/>
+                  <a:pt x="1393027" y="5539514"/>
+                  <a:pt x="1393027" y="5193794"/>
+                </a:cubicBezTo>
+                <a:close/>
+              </a:path>
+            </a:pathLst>
+          </a:custGeom>
+          <a:solidFill>
+            <a:schemeClr val="bg1">
+              <a:lumMod val="95000"/>
+            </a:schemeClr>
+          </a:solidFill>
+          <a:ln w="38100">
+            <a:noFill/>
+          </a:ln>
+        </p:spPr>
+        <p:txBody>
+          <a:bodyPr wrap="square" anchor="ctr">
+            <a:noAutofit/>
+          </a:bodyPr>
+          <a:lstStyle>
+            <a:lvl1pPr marL="0" indent="0" algn="ctr">
+              <a:buNone/>
+              <a:defRPr sz="1200">
+                <a:solidFill>
+                  <a:schemeClr val="tx1">
+                    <a:lumMod val="75000"/>
+                    <a:lumOff val="25000"/>
+                  </a:schemeClr>
+                </a:solidFill>
+                <a:latin typeface="+mn-lt"/>
+                <a:cs typeface="Arial" pitchFamily="34" charset="0"/>
+              </a:defRPr>
+            </a:lvl1pPr>
+            <a:lvl2pPr marL="457223" indent="0">
+              <a:buNone/>
+              <a:defRPr sz="2800"/>
+            </a:lvl2pPr>
+            <a:lvl3pPr marL="914446" indent="0">
+              <a:buNone/>
+              <a:defRPr sz="2400"/>
+            </a:lvl3pPr>
+            <a:lvl4pPr marL="1371669" indent="0">
+              <a:buNone/>
+              <a:defRPr sz="2000"/>
+            </a:lvl4pPr>
+            <a:lvl5pPr marL="1828891" indent="0">
+              <a:buNone/>
+              <a:defRPr sz="2000"/>
+            </a:lvl5pPr>
+            <a:lvl6pPr marL="2286114" indent="0">
+              <a:buNone/>
+              <a:defRPr sz="2000"/>
+            </a:lvl6pPr>
+            <a:lvl7pPr marL="2743337" indent="0">
+              <a:buNone/>
+              <a:defRPr sz="2000"/>
+            </a:lvl7pPr>
+            <a:lvl8pPr marL="3200560" indent="0">
+              <a:buNone/>
+              <a:defRPr sz="2000"/>
+            </a:lvl8pPr>
+            <a:lvl9pPr marL="3657783" indent="0">
+              <a:buNone/>
+              <a:defRPr sz="2000"/>
+            </a:lvl9pPr>
+          </a:lstStyle>
+          <a:p>
+            <a:r>
+              <a:rPr lang="en-US" altLang="ko-KR" dirty="0"/>
+              <a:t>Your Picture Here </a:t>
+            </a:r>
+            <a:endParaRPr lang="ko-KR" altLang="en-US" dirty="0"/>
+          </a:p>
+        </p:txBody>
+      </p:sp>
+    </p:spTree>
+    <p:extLst>
+      <p:ext uri="{BB962C8B-B14F-4D97-AF65-F5344CB8AC3E}">
+        <p14:creationId xmlns:p14="http://schemas.microsoft.com/office/powerpoint/2010/main" val="1199585678"/>
+      </p:ext>
+    </p:extLst>
+  </p:cSld>
+  <p:clrMapOvr>
+    <a:masterClrMapping/>
+  </p:clrMapOvr>
+</p:sldLayout>
+</file>
+
+<file path=ppt/slideLayouts/slideLayout11.xml><?xml version="1.0" encoding="utf-8"?>
+<p:sldLayout xmlns:a="http://schemas.openxmlformats.org/drawingml/2006/main" xmlns:r="http://schemas.openxmlformats.org/officeDocument/2006/relationships" xmlns:p="http://schemas.openxmlformats.org/presentationml/2006/main" preserve="1" userDrawn="1">
   <p:cSld name="8_Contents slide layout">
     <p:bg>
       <p:bgPr>
@@ -579,7 +962,7 @@
 </p:sldLayout>
 </file>
 
-<file path=ppt/slideLayouts/slideLayout11.xml><?xml version="1.0" encoding="utf-8"?>
+<file path=ppt/slideLayouts/slideLayout12.xml><?xml version="1.0" encoding="utf-8"?>
 <p:sldLayout xmlns:a="http://schemas.openxmlformats.org/drawingml/2006/main" xmlns:r="http://schemas.openxmlformats.org/officeDocument/2006/relationships" xmlns:p="http://schemas.openxmlformats.org/presentationml/2006/main" preserve="1" userDrawn="1">
   <p:cSld name="9_Contents slide layout">
     <p:spTree>
@@ -917,7 +1300,7 @@
 </p:sldLayout>
 </file>
 
-<file path=ppt/slideLayouts/slideLayout12.xml><?xml version="1.0" encoding="utf-8"?>
+<file path=ppt/slideLayouts/slideLayout13.xml><?xml version="1.0" encoding="utf-8"?>
 <p:sldLayout xmlns:a="http://schemas.openxmlformats.org/drawingml/2006/main" xmlns:r="http://schemas.openxmlformats.org/officeDocument/2006/relationships" xmlns:p="http://schemas.openxmlformats.org/presentationml/2006/main" preserve="1" userDrawn="1">
   <p:cSld name="10_Contents slide layout">
     <p:bg>
@@ -961,7 +1344,7 @@
 </p:sldLayout>
 </file>
 
-<file path=ppt/slideLayouts/slideLayout13.xml><?xml version="1.0" encoding="utf-8"?>
+<file path=ppt/slideLayouts/slideLayout14.xml><?xml version="1.0" encoding="utf-8"?>
 <p:sldLayout xmlns:a="http://schemas.openxmlformats.org/drawingml/2006/main" xmlns:r="http://schemas.openxmlformats.org/officeDocument/2006/relationships" xmlns:p="http://schemas.openxmlformats.org/presentationml/2006/main" preserve="1" userDrawn="1">
   <p:cSld name="11_Contents slide layout">
     <p:spTree>
@@ -1535,7 +1918,7 @@
 </p:sldLayout>
 </file>
 
-<file path=ppt/slideLayouts/slideLayout14.xml><?xml version="1.0" encoding="utf-8"?>
+<file path=ppt/slideLayouts/slideLayout15.xml><?xml version="1.0" encoding="utf-8"?>
 <p:sldLayout xmlns:a="http://schemas.openxmlformats.org/drawingml/2006/main" xmlns:r="http://schemas.openxmlformats.org/officeDocument/2006/relationships" xmlns:p="http://schemas.openxmlformats.org/presentationml/2006/main" preserve="1" userDrawn="1">
   <p:cSld name="12_Contents slide layout">
     <p:bg>
@@ -1579,7 +1962,7 @@
 </p:sldLayout>
 </file>
 
-<file path=ppt/slideLayouts/slideLayout15.xml><?xml version="1.0" encoding="utf-8"?>
+<file path=ppt/slideLayouts/slideLayout16.xml><?xml version="1.0" encoding="utf-8"?>
 <p:sldLayout xmlns:a="http://schemas.openxmlformats.org/drawingml/2006/main" xmlns:r="http://schemas.openxmlformats.org/officeDocument/2006/relationships" xmlns:p="http://schemas.openxmlformats.org/presentationml/2006/main" preserve="1" userDrawn="1">
   <p:cSld name="13_Contents slide layout">
     <p:spTree>
@@ -5077,7 +5460,7 @@
 </p:sldLayout>
 </file>
 
-<file path=ppt/slideLayouts/slideLayout16.xml><?xml version="1.0" encoding="utf-8"?>
+<file path=ppt/slideLayouts/slideLayout17.xml><?xml version="1.0" encoding="utf-8"?>
 <p:sldLayout xmlns:a="http://schemas.openxmlformats.org/drawingml/2006/main" xmlns:r="http://schemas.openxmlformats.org/officeDocument/2006/relationships" xmlns:p="http://schemas.openxmlformats.org/presentationml/2006/main" preserve="1" userDrawn="1">
   <p:cSld name="14_Contents slide layout">
     <p:bg>
@@ -5121,7 +5504,7 @@
 </p:sldLayout>
 </file>
 
-<file path=ppt/slideLayouts/slideLayout17.xml><?xml version="1.0" encoding="utf-8"?>
+<file path=ppt/slideLayouts/slideLayout18.xml><?xml version="1.0" encoding="utf-8"?>
 <p:sldLayout xmlns:a="http://schemas.openxmlformats.org/drawingml/2006/main" xmlns:r="http://schemas.openxmlformats.org/officeDocument/2006/relationships" xmlns:p="http://schemas.openxmlformats.org/presentationml/2006/main" preserve="1" userDrawn="1">
   <p:cSld name="15_Contents slide layout">
     <p:spTree>
@@ -5588,7 +5971,7 @@
 </p:sldLayout>
 </file>
 
-<file path=ppt/slideLayouts/slideLayout18.xml><?xml version="1.0" encoding="utf-8"?>
+<file path=ppt/slideLayouts/slideLayout19.xml><?xml version="1.0" encoding="utf-8"?>
 <p:sldLayout xmlns:a="http://schemas.openxmlformats.org/drawingml/2006/main" xmlns:r="http://schemas.openxmlformats.org/officeDocument/2006/relationships" xmlns:p="http://schemas.openxmlformats.org/presentationml/2006/main" preserve="1" userDrawn="1">
   <p:cSld name="16_Contents slide layout">
     <p:bg>
@@ -5632,7 +6015,51 @@
 </p:sldLayout>
 </file>
 
-<file path=ppt/slideLayouts/slideLayout19.xml><?xml version="1.0" encoding="utf-8"?>
+<file path=ppt/slideLayouts/slideLayout2.xml><?xml version="1.0" encoding="utf-8"?>
+<p:sldLayout xmlns:a="http://schemas.openxmlformats.org/drawingml/2006/main" xmlns:r="http://schemas.openxmlformats.org/officeDocument/2006/relationships" xmlns:p="http://schemas.openxmlformats.org/presentationml/2006/main" preserve="1" userDrawn="1">
+  <p:cSld name="End slide layout">
+    <p:bg>
+      <p:bgPr>
+        <a:blipFill dpi="0" rotWithShape="1">
+          <a:blip r:embed="rId2">
+            <a:lum/>
+          </a:blip>
+          <a:srcRect/>
+          <a:stretch>
+            <a:fillRect/>
+          </a:stretch>
+        </a:blipFill>
+        <a:effectLst/>
+      </p:bgPr>
+    </p:bg>
+    <p:spTree>
+      <p:nvGrpSpPr>
+        <p:cNvPr id="1" name=""/>
+        <p:cNvGrpSpPr/>
+        <p:nvPr/>
+      </p:nvGrpSpPr>
+      <p:grpSpPr>
+        <a:xfrm>
+          <a:off x="0" y="0"/>
+          <a:ext cx="0" cy="0"/>
+          <a:chOff x="0" y="0"/>
+          <a:chExt cx="0" cy="0"/>
+        </a:xfrm>
+      </p:grpSpPr>
+    </p:spTree>
+    <p:extLst>
+      <p:ext uri="{BB962C8B-B14F-4D97-AF65-F5344CB8AC3E}">
+        <p14:creationId xmlns:p14="http://schemas.microsoft.com/office/powerpoint/2010/main" val="1750667146"/>
+      </p:ext>
+    </p:extLst>
+  </p:cSld>
+  <p:clrMapOvr>
+    <a:masterClrMapping/>
+  </p:clrMapOvr>
+</p:sldLayout>
+</file>
+
+<file path=ppt/slideLayouts/slideLayout20.xml><?xml version="1.0" encoding="utf-8"?>
 <p:sldLayout xmlns:a="http://schemas.openxmlformats.org/drawingml/2006/main" xmlns:r="http://schemas.openxmlformats.org/officeDocument/2006/relationships" xmlns:p="http://schemas.openxmlformats.org/presentationml/2006/main" preserve="1" userDrawn="1">
   <p:cSld name="PNG sets layout">
     <p:bg>
@@ -5721,51 +6148,7 @@
 </p:sldLayout>
 </file>
 
-<file path=ppt/slideLayouts/slideLayout2.xml><?xml version="1.0" encoding="utf-8"?>
-<p:sldLayout xmlns:a="http://schemas.openxmlformats.org/drawingml/2006/main" xmlns:r="http://schemas.openxmlformats.org/officeDocument/2006/relationships" xmlns:p="http://schemas.openxmlformats.org/presentationml/2006/main" preserve="1" userDrawn="1">
-  <p:cSld name="End slide layout">
-    <p:bg>
-      <p:bgPr>
-        <a:blipFill dpi="0" rotWithShape="1">
-          <a:blip r:embed="rId2">
-            <a:lum/>
-          </a:blip>
-          <a:srcRect/>
-          <a:stretch>
-            <a:fillRect/>
-          </a:stretch>
-        </a:blipFill>
-        <a:effectLst/>
-      </p:bgPr>
-    </p:bg>
-    <p:spTree>
-      <p:nvGrpSpPr>
-        <p:cNvPr id="1" name=""/>
-        <p:cNvGrpSpPr/>
-        <p:nvPr/>
-      </p:nvGrpSpPr>
-      <p:grpSpPr>
-        <a:xfrm>
-          <a:off x="0" y="0"/>
-          <a:ext cx="0" cy="0"/>
-          <a:chOff x="0" y="0"/>
-          <a:chExt cx="0" cy="0"/>
-        </a:xfrm>
-      </p:grpSpPr>
-    </p:spTree>
-    <p:extLst>
-      <p:ext uri="{BB962C8B-B14F-4D97-AF65-F5344CB8AC3E}">
-        <p14:creationId xmlns:p14="http://schemas.microsoft.com/office/powerpoint/2010/main" val="1750667146"/>
-      </p:ext>
-    </p:extLst>
-  </p:cSld>
-  <p:clrMapOvr>
-    <a:masterClrMapping/>
-  </p:clrMapOvr>
-</p:sldLayout>
-</file>
-
-<file path=ppt/slideLayouts/slideLayout20.xml><?xml version="1.0" encoding="utf-8"?>
+<file path=ppt/slideLayouts/slideLayout21.xml><?xml version="1.0" encoding="utf-8"?>
 <p:sldLayout xmlns:a="http://schemas.openxmlformats.org/drawingml/2006/main" xmlns:r="http://schemas.openxmlformats.org/officeDocument/2006/relationships" xmlns:p="http://schemas.openxmlformats.org/presentationml/2006/main" preserve="1" userDrawn="1">
   <p:cSld name="1_Icon sets layout">
     <p:spTree>
@@ -6211,7 +6594,7 @@
 </p:sldLayout>
 </file>
 
-<file path=ppt/slideLayouts/slideLayout21.xml><?xml version="1.0" encoding="utf-8"?>
+<file path=ppt/slideLayouts/slideLayout22.xml><?xml version="1.0" encoding="utf-8"?>
 <p:sldLayout xmlns:a="http://schemas.openxmlformats.org/drawingml/2006/main" xmlns:r="http://schemas.openxmlformats.org/officeDocument/2006/relationships" xmlns:p="http://schemas.openxmlformats.org/presentationml/2006/main" preserve="1" userDrawn="1">
   <p:cSld name="Section Break Slide layout">
     <p:bg>
@@ -6256,6 +6639,50 @@
 </file>
 
 <file path=ppt/slideLayouts/slideLayout3.xml><?xml version="1.0" encoding="utf-8"?>
+<p:sldLayout xmlns:a="http://schemas.openxmlformats.org/drawingml/2006/main" xmlns:r="http://schemas.openxmlformats.org/officeDocument/2006/relationships" xmlns:p="http://schemas.openxmlformats.org/presentationml/2006/main" userDrawn="1">
+  <p:cSld name="12_Contents slide layout">
+    <p:bg>
+      <p:bgPr>
+        <a:blipFill dpi="0" rotWithShape="1">
+          <a:blip r:embed="rId2">
+            <a:lum/>
+          </a:blip>
+          <a:srcRect/>
+          <a:stretch>
+            <a:fillRect/>
+          </a:stretch>
+        </a:blipFill>
+        <a:effectLst/>
+      </p:bgPr>
+    </p:bg>
+    <p:spTree>
+      <p:nvGrpSpPr>
+        <p:cNvPr id="1" name=""/>
+        <p:cNvGrpSpPr/>
+        <p:nvPr/>
+      </p:nvGrpSpPr>
+      <p:grpSpPr>
+        <a:xfrm>
+          <a:off x="0" y="0"/>
+          <a:ext cx="0" cy="0"/>
+          <a:chOff x="0" y="0"/>
+          <a:chExt cx="0" cy="0"/>
+        </a:xfrm>
+      </p:grpSpPr>
+    </p:spTree>
+    <p:extLst>
+      <p:ext uri="{BB962C8B-B14F-4D97-AF65-F5344CB8AC3E}">
+        <p14:creationId xmlns:p14="http://schemas.microsoft.com/office/powerpoint/2010/main" val="845237607"/>
+      </p:ext>
+    </p:extLst>
+  </p:cSld>
+  <p:clrMapOvr>
+    <a:masterClrMapping/>
+  </p:clrMapOvr>
+</p:sldLayout>
+</file>
+
+<file path=ppt/slideLayouts/slideLayout4.xml><?xml version="1.0" encoding="utf-8"?>
 <p:sldLayout xmlns:a="http://schemas.openxmlformats.org/drawingml/2006/main" xmlns:r="http://schemas.openxmlformats.org/officeDocument/2006/relationships" xmlns:p="http://schemas.openxmlformats.org/presentationml/2006/main" preserve="1" userDrawn="1">
   <p:cSld name="Contents slide layout">
     <p:spTree>
@@ -6336,7 +6763,7 @@
 </p:sldLayout>
 </file>
 
-<file path=ppt/slideLayouts/slideLayout4.xml><?xml version="1.0" encoding="utf-8"?>
+<file path=ppt/slideLayouts/slideLayout5.xml><?xml version="1.0" encoding="utf-8"?>
 <p:sldLayout xmlns:a="http://schemas.openxmlformats.org/drawingml/2006/main" xmlns:r="http://schemas.openxmlformats.org/officeDocument/2006/relationships" xmlns:p="http://schemas.openxmlformats.org/presentationml/2006/main" preserve="1" userDrawn="1">
   <p:cSld name="2_Contents slide layout">
     <p:spTree>
@@ -6366,7 +6793,7 @@
 </p:sldLayout>
 </file>
 
-<file path=ppt/slideLayouts/slideLayout5.xml><?xml version="1.0" encoding="utf-8"?>
+<file path=ppt/slideLayouts/slideLayout6.xml><?xml version="1.0" encoding="utf-8"?>
 <p:sldLayout xmlns:a="http://schemas.openxmlformats.org/drawingml/2006/main" xmlns:r="http://schemas.openxmlformats.org/officeDocument/2006/relationships" xmlns:p="http://schemas.openxmlformats.org/presentationml/2006/main" preserve="1" userDrawn="1">
   <p:cSld name="3_Agenda slide layout">
     <p:bg>
@@ -6410,7 +6837,7 @@
 </p:sldLayout>
 </file>
 
-<file path=ppt/slideLayouts/slideLayout6.xml><?xml version="1.0" encoding="utf-8"?>
+<file path=ppt/slideLayouts/slideLayout7.xml><?xml version="1.0" encoding="utf-8"?>
 <p:sldLayout xmlns:a="http://schemas.openxmlformats.org/drawingml/2006/main" xmlns:r="http://schemas.openxmlformats.org/officeDocument/2006/relationships" xmlns:p="http://schemas.openxmlformats.org/presentationml/2006/main" preserve="1" userDrawn="1">
   <p:cSld name="4_Taam slide layout">
     <p:spTree>
@@ -7219,7 +7646,7 @@
 </p:sldLayout>
 </file>
 
-<file path=ppt/slideLayouts/slideLayout7.xml><?xml version="1.0" encoding="utf-8"?>
+<file path=ppt/slideLayouts/slideLayout8.xml><?xml version="1.0" encoding="utf-8"?>
 <p:sldLayout xmlns:a="http://schemas.openxmlformats.org/drawingml/2006/main" xmlns:r="http://schemas.openxmlformats.org/officeDocument/2006/relationships" xmlns:p="http://schemas.openxmlformats.org/presentationml/2006/main" preserve="1" userDrawn="1">
   <p:cSld name="5_Contents slide layout">
     <p:spTree>
@@ -8671,7 +9098,7 @@
 </p:sldLayout>
 </file>
 
-<file path=ppt/slideLayouts/slideLayout8.xml><?xml version="1.0" encoding="utf-8"?>
+<file path=ppt/slideLayouts/slideLayout9.xml><?xml version="1.0" encoding="utf-8"?>
 <p:sldLayout xmlns:a="http://schemas.openxmlformats.org/drawingml/2006/main" xmlns:r="http://schemas.openxmlformats.org/officeDocument/2006/relationships" xmlns:p="http://schemas.openxmlformats.org/presentationml/2006/main" preserve="1" userDrawn="1">
   <p:cSld name="6_Contents slide layout">
     <p:bg>
@@ -8715,388 +9142,6 @@
 </p:sldLayout>
 </file>
 
-<file path=ppt/slideLayouts/slideLayout9.xml><?xml version="1.0" encoding="utf-8"?>
-<p:sldLayout xmlns:a="http://schemas.openxmlformats.org/drawingml/2006/main" xmlns:r="http://schemas.openxmlformats.org/officeDocument/2006/relationships" xmlns:p="http://schemas.openxmlformats.org/presentationml/2006/main" preserve="1" userDrawn="1">
-  <p:cSld name="7_Contents slide layout">
-    <p:spTree>
-      <p:nvGrpSpPr>
-        <p:cNvPr id="1" name=""/>
-        <p:cNvGrpSpPr/>
-        <p:nvPr/>
-      </p:nvGrpSpPr>
-      <p:grpSpPr>
-        <a:xfrm>
-          <a:off x="0" y="0"/>
-          <a:ext cx="0" cy="0"/>
-          <a:chOff x="0" y="0"/>
-          <a:chExt cx="0" cy="0"/>
-        </a:xfrm>
-      </p:grpSpPr>
-      <p:sp>
-        <p:nvSpPr>
-          <p:cNvPr id="10" name="그림 개체 틀 9">
-            <a:extLst>
-              <a:ext uri="{FF2B5EF4-FFF2-40B4-BE49-F238E27FC236}">
-                <a16:creationId xmlns:a16="http://schemas.microsoft.com/office/drawing/2014/main" id="{28522DAF-F091-475D-9453-DFCEB7833B2B}"/>
-              </a:ext>
-            </a:extLst>
-          </p:cNvPr>
-          <p:cNvSpPr>
-            <a:spLocks noGrp="1"/>
-          </p:cNvSpPr>
-          <p:nvPr>
-            <p:ph type="pic" idx="14" hasCustomPrompt="1"/>
-          </p:nvPr>
-        </p:nvSpPr>
-        <p:spPr>
-          <a:xfrm>
-            <a:off x="5362576" y="-1"/>
-            <a:ext cx="6638925" cy="6858000"/>
-          </a:xfrm>
-          <a:custGeom>
-            <a:avLst/>
-            <a:gdLst>
-              <a:gd name="connsiteX0" fmla="*/ 625981 w 6638925"/>
-              <a:gd name="connsiteY0" fmla="*/ 1038225 h 6858000"/>
-              <a:gd name="connsiteX1" fmla="*/ 1251962 w 6638925"/>
-              <a:gd name="connsiteY1" fmla="*/ 1664206 h 6858000"/>
-              <a:gd name="connsiteX2" fmla="*/ 1251962 w 6638925"/>
-              <a:gd name="connsiteY2" fmla="*/ 6858000 h 6858000"/>
-              <a:gd name="connsiteX3" fmla="*/ 0 w 6638925"/>
-              <a:gd name="connsiteY3" fmla="*/ 6858000 h 6858000"/>
-              <a:gd name="connsiteX4" fmla="*/ 0 w 6638925"/>
-              <a:gd name="connsiteY4" fmla="*/ 1664206 h 6858000"/>
-              <a:gd name="connsiteX5" fmla="*/ 625981 w 6638925"/>
-              <a:gd name="connsiteY5" fmla="*/ 1038225 h 6858000"/>
-              <a:gd name="connsiteX6" fmla="*/ 4681632 w 6638925"/>
-              <a:gd name="connsiteY6" fmla="*/ 1038224 h 6858000"/>
-              <a:gd name="connsiteX7" fmla="*/ 5307613 w 6638925"/>
-              <a:gd name="connsiteY7" fmla="*/ 1664205 h 6858000"/>
-              <a:gd name="connsiteX8" fmla="*/ 5307613 w 6638925"/>
-              <a:gd name="connsiteY8" fmla="*/ 6857999 h 6858000"/>
-              <a:gd name="connsiteX9" fmla="*/ 4055651 w 6638925"/>
-              <a:gd name="connsiteY9" fmla="*/ 6857999 h 6858000"/>
-              <a:gd name="connsiteX10" fmla="*/ 4055651 w 6638925"/>
-              <a:gd name="connsiteY10" fmla="*/ 1664205 h 6858000"/>
-              <a:gd name="connsiteX11" fmla="*/ 4681632 w 6638925"/>
-              <a:gd name="connsiteY11" fmla="*/ 1038224 h 6858000"/>
-              <a:gd name="connsiteX12" fmla="*/ 3350320 w 6638925"/>
-              <a:gd name="connsiteY12" fmla="*/ 171448 h 6858000"/>
-              <a:gd name="connsiteX13" fmla="*/ 3976301 w 6638925"/>
-              <a:gd name="connsiteY13" fmla="*/ 797429 h 6858000"/>
-              <a:gd name="connsiteX14" fmla="*/ 3976301 w 6638925"/>
-              <a:gd name="connsiteY14" fmla="*/ 6857999 h 6858000"/>
-              <a:gd name="connsiteX15" fmla="*/ 2724339 w 6638925"/>
-              <a:gd name="connsiteY15" fmla="*/ 6857999 h 6858000"/>
-              <a:gd name="connsiteX16" fmla="*/ 2724339 w 6638925"/>
-              <a:gd name="connsiteY16" fmla="*/ 797429 h 6858000"/>
-              <a:gd name="connsiteX17" fmla="*/ 3350320 w 6638925"/>
-              <a:gd name="connsiteY17" fmla="*/ 171448 h 6858000"/>
-              <a:gd name="connsiteX18" fmla="*/ 5386963 w 6638925"/>
-              <a:gd name="connsiteY18" fmla="*/ 0 h 6858000"/>
-              <a:gd name="connsiteX19" fmla="*/ 6638925 w 6638925"/>
-              <a:gd name="connsiteY19" fmla="*/ 0 h 6858000"/>
-              <a:gd name="connsiteX20" fmla="*/ 6638925 w 6638925"/>
-              <a:gd name="connsiteY20" fmla="*/ 5798629 h 6858000"/>
-              <a:gd name="connsiteX21" fmla="*/ 6012944 w 6638925"/>
-              <a:gd name="connsiteY21" fmla="*/ 6424610 h 6858000"/>
-              <a:gd name="connsiteX22" fmla="*/ 5386963 w 6638925"/>
-              <a:gd name="connsiteY22" fmla="*/ 5798629 h 6858000"/>
-              <a:gd name="connsiteX23" fmla="*/ 1393027 w 6638925"/>
-              <a:gd name="connsiteY23" fmla="*/ 0 h 6858000"/>
-              <a:gd name="connsiteX24" fmla="*/ 2644989 w 6638925"/>
-              <a:gd name="connsiteY24" fmla="*/ 0 h 6858000"/>
-              <a:gd name="connsiteX25" fmla="*/ 2644989 w 6638925"/>
-              <a:gd name="connsiteY25" fmla="*/ 5193794 h 6858000"/>
-              <a:gd name="connsiteX26" fmla="*/ 2019008 w 6638925"/>
-              <a:gd name="connsiteY26" fmla="*/ 5819775 h 6858000"/>
-              <a:gd name="connsiteX27" fmla="*/ 1393027 w 6638925"/>
-              <a:gd name="connsiteY27" fmla="*/ 5193794 h 6858000"/>
-            </a:gdLst>
-            <a:ahLst/>
-            <a:cxnLst>
-              <a:cxn ang="0">
-                <a:pos x="connsiteX0" y="connsiteY0"/>
-              </a:cxn>
-              <a:cxn ang="0">
-                <a:pos x="connsiteX1" y="connsiteY1"/>
-              </a:cxn>
-              <a:cxn ang="0">
-                <a:pos x="connsiteX2" y="connsiteY2"/>
-              </a:cxn>
-              <a:cxn ang="0">
-                <a:pos x="connsiteX3" y="connsiteY3"/>
-              </a:cxn>
-              <a:cxn ang="0">
-                <a:pos x="connsiteX4" y="connsiteY4"/>
-              </a:cxn>
-              <a:cxn ang="0">
-                <a:pos x="connsiteX5" y="connsiteY5"/>
-              </a:cxn>
-              <a:cxn ang="0">
-                <a:pos x="connsiteX6" y="connsiteY6"/>
-              </a:cxn>
-              <a:cxn ang="0">
-                <a:pos x="connsiteX7" y="connsiteY7"/>
-              </a:cxn>
-              <a:cxn ang="0">
-                <a:pos x="connsiteX8" y="connsiteY8"/>
-              </a:cxn>
-              <a:cxn ang="0">
-                <a:pos x="connsiteX9" y="connsiteY9"/>
-              </a:cxn>
-              <a:cxn ang="0">
-                <a:pos x="connsiteX10" y="connsiteY10"/>
-              </a:cxn>
-              <a:cxn ang="0">
-                <a:pos x="connsiteX11" y="connsiteY11"/>
-              </a:cxn>
-              <a:cxn ang="0">
-                <a:pos x="connsiteX12" y="connsiteY12"/>
-              </a:cxn>
-              <a:cxn ang="0">
-                <a:pos x="connsiteX13" y="connsiteY13"/>
-              </a:cxn>
-              <a:cxn ang="0">
-                <a:pos x="connsiteX14" y="connsiteY14"/>
-              </a:cxn>
-              <a:cxn ang="0">
-                <a:pos x="connsiteX15" y="connsiteY15"/>
-              </a:cxn>
-              <a:cxn ang="0">
-                <a:pos x="connsiteX16" y="connsiteY16"/>
-              </a:cxn>
-              <a:cxn ang="0">
-                <a:pos x="connsiteX17" y="connsiteY17"/>
-              </a:cxn>
-              <a:cxn ang="0">
-                <a:pos x="connsiteX18" y="connsiteY18"/>
-              </a:cxn>
-              <a:cxn ang="0">
-                <a:pos x="connsiteX19" y="connsiteY19"/>
-              </a:cxn>
-              <a:cxn ang="0">
-                <a:pos x="connsiteX20" y="connsiteY20"/>
-              </a:cxn>
-              <a:cxn ang="0">
-                <a:pos x="connsiteX21" y="connsiteY21"/>
-              </a:cxn>
-              <a:cxn ang="0">
-                <a:pos x="connsiteX22" y="connsiteY22"/>
-              </a:cxn>
-              <a:cxn ang="0">
-                <a:pos x="connsiteX23" y="connsiteY23"/>
-              </a:cxn>
-              <a:cxn ang="0">
-                <a:pos x="connsiteX24" y="connsiteY24"/>
-              </a:cxn>
-              <a:cxn ang="0">
-                <a:pos x="connsiteX25" y="connsiteY25"/>
-              </a:cxn>
-              <a:cxn ang="0">
-                <a:pos x="connsiteX26" y="connsiteY26"/>
-              </a:cxn>
-              <a:cxn ang="0">
-                <a:pos x="connsiteX27" y="connsiteY27"/>
-              </a:cxn>
-            </a:cxnLst>
-            <a:rect l="l" t="t" r="r" b="b"/>
-            <a:pathLst>
-              <a:path w="6638925" h="6858000">
-                <a:moveTo>
-                  <a:pt x="625981" y="1038225"/>
-                </a:moveTo>
-                <a:cubicBezTo>
-                  <a:pt x="971701" y="1038225"/>
-                  <a:pt x="1251962" y="1318486"/>
-                  <a:pt x="1251962" y="1664206"/>
-                </a:cubicBezTo>
-                <a:lnTo>
-                  <a:pt x="1251962" y="6858000"/>
-                </a:lnTo>
-                <a:lnTo>
-                  <a:pt x="0" y="6858000"/>
-                </a:lnTo>
-                <a:lnTo>
-                  <a:pt x="0" y="1664206"/>
-                </a:lnTo>
-                <a:cubicBezTo>
-                  <a:pt x="0" y="1318486"/>
-                  <a:pt x="280261" y="1038225"/>
-                  <a:pt x="625981" y="1038225"/>
-                </a:cubicBezTo>
-                <a:close/>
-                <a:moveTo>
-                  <a:pt x="4681632" y="1038224"/>
-                </a:moveTo>
-                <a:cubicBezTo>
-                  <a:pt x="5027352" y="1038224"/>
-                  <a:pt x="5307613" y="1318485"/>
-                  <a:pt x="5307613" y="1664205"/>
-                </a:cubicBezTo>
-                <a:lnTo>
-                  <a:pt x="5307613" y="6857999"/>
-                </a:lnTo>
-                <a:lnTo>
-                  <a:pt x="4055651" y="6857999"/>
-                </a:lnTo>
-                <a:lnTo>
-                  <a:pt x="4055651" y="1664205"/>
-                </a:lnTo>
-                <a:cubicBezTo>
-                  <a:pt x="4055651" y="1318485"/>
-                  <a:pt x="4335912" y="1038224"/>
-                  <a:pt x="4681632" y="1038224"/>
-                </a:cubicBezTo>
-                <a:close/>
-                <a:moveTo>
-                  <a:pt x="3350320" y="171448"/>
-                </a:moveTo>
-                <a:cubicBezTo>
-                  <a:pt x="3696040" y="171448"/>
-                  <a:pt x="3976301" y="451709"/>
-                  <a:pt x="3976301" y="797429"/>
-                </a:cubicBezTo>
-                <a:lnTo>
-                  <a:pt x="3976301" y="6857999"/>
-                </a:lnTo>
-                <a:lnTo>
-                  <a:pt x="2724339" y="6857999"/>
-                </a:lnTo>
-                <a:lnTo>
-                  <a:pt x="2724339" y="797429"/>
-                </a:lnTo>
-                <a:cubicBezTo>
-                  <a:pt x="2724339" y="451709"/>
-                  <a:pt x="3004600" y="171448"/>
-                  <a:pt x="3350320" y="171448"/>
-                </a:cubicBezTo>
-                <a:close/>
-                <a:moveTo>
-                  <a:pt x="5386963" y="0"/>
-                </a:moveTo>
-                <a:lnTo>
-                  <a:pt x="6638925" y="0"/>
-                </a:lnTo>
-                <a:lnTo>
-                  <a:pt x="6638925" y="5798629"/>
-                </a:lnTo>
-                <a:cubicBezTo>
-                  <a:pt x="6638925" y="6144349"/>
-                  <a:pt x="6358664" y="6424610"/>
-                  <a:pt x="6012944" y="6424610"/>
-                </a:cubicBezTo>
-                <a:cubicBezTo>
-                  <a:pt x="5667224" y="6424610"/>
-                  <a:pt x="5386963" y="6144349"/>
-                  <a:pt x="5386963" y="5798629"/>
-                </a:cubicBezTo>
-                <a:close/>
-                <a:moveTo>
-                  <a:pt x="1393027" y="0"/>
-                </a:moveTo>
-                <a:lnTo>
-                  <a:pt x="2644989" y="0"/>
-                </a:lnTo>
-                <a:lnTo>
-                  <a:pt x="2644989" y="5193794"/>
-                </a:lnTo>
-                <a:cubicBezTo>
-                  <a:pt x="2644989" y="5539514"/>
-                  <a:pt x="2364728" y="5819775"/>
-                  <a:pt x="2019008" y="5819775"/>
-                </a:cubicBezTo>
-                <a:cubicBezTo>
-                  <a:pt x="1673288" y="5819775"/>
-                  <a:pt x="1393027" y="5539514"/>
-                  <a:pt x="1393027" y="5193794"/>
-                </a:cubicBezTo>
-                <a:close/>
-              </a:path>
-            </a:pathLst>
-          </a:custGeom>
-          <a:solidFill>
-            <a:schemeClr val="bg1">
-              <a:lumMod val="95000"/>
-            </a:schemeClr>
-          </a:solidFill>
-          <a:ln w="38100">
-            <a:noFill/>
-          </a:ln>
-        </p:spPr>
-        <p:txBody>
-          <a:bodyPr wrap="square" anchor="ctr">
-            <a:noAutofit/>
-          </a:bodyPr>
-          <a:lstStyle>
-            <a:lvl1pPr marL="0" indent="0" algn="ctr">
-              <a:buNone/>
-              <a:defRPr sz="1200">
-                <a:solidFill>
-                  <a:schemeClr val="tx1">
-                    <a:lumMod val="75000"/>
-                    <a:lumOff val="25000"/>
-                  </a:schemeClr>
-                </a:solidFill>
-                <a:latin typeface="+mn-lt"/>
-                <a:cs typeface="Arial" pitchFamily="34" charset="0"/>
-              </a:defRPr>
-            </a:lvl1pPr>
-            <a:lvl2pPr marL="457223" indent="0">
-              <a:buNone/>
-              <a:defRPr sz="2800"/>
-            </a:lvl2pPr>
-            <a:lvl3pPr marL="914446" indent="0">
-              <a:buNone/>
-              <a:defRPr sz="2400"/>
-            </a:lvl3pPr>
-            <a:lvl4pPr marL="1371669" indent="0">
-              <a:buNone/>
-              <a:defRPr sz="2000"/>
-            </a:lvl4pPr>
-            <a:lvl5pPr marL="1828891" indent="0">
-              <a:buNone/>
-              <a:defRPr sz="2000"/>
-            </a:lvl5pPr>
-            <a:lvl6pPr marL="2286114" indent="0">
-              <a:buNone/>
-              <a:defRPr sz="2000"/>
-            </a:lvl6pPr>
-            <a:lvl7pPr marL="2743337" indent="0">
-              <a:buNone/>
-              <a:defRPr sz="2000"/>
-            </a:lvl7pPr>
-            <a:lvl8pPr marL="3200560" indent="0">
-              <a:buNone/>
-              <a:defRPr sz="2000"/>
-            </a:lvl8pPr>
-            <a:lvl9pPr marL="3657783" indent="0">
-              <a:buNone/>
-              <a:defRPr sz="2000"/>
-            </a:lvl9pPr>
-          </a:lstStyle>
-          <a:p>
-            <a:r>
-              <a:rPr lang="en-US" altLang="ko-KR" dirty="0"/>
-              <a:t>Your Picture Here </a:t>
-            </a:r>
-            <a:endParaRPr lang="ko-KR" altLang="en-US" dirty="0"/>
-          </a:p>
-        </p:txBody>
-      </p:sp>
-    </p:spTree>
-    <p:extLst>
-      <p:ext uri="{BB962C8B-B14F-4D97-AF65-F5344CB8AC3E}">
-        <p14:creationId xmlns:p14="http://schemas.microsoft.com/office/powerpoint/2010/main" val="1199585678"/>
-      </p:ext>
-    </p:extLst>
-  </p:cSld>
-  <p:clrMapOvr>
-    <a:masterClrMapping/>
-  </p:clrMapOvr>
-</p:sldLayout>
-</file>
-
 <file path=ppt/slideMasters/slideMaster1.xml><?xml version="1.0" encoding="utf-8"?>
 <p:sldMaster xmlns:a="http://schemas.openxmlformats.org/drawingml/2006/main" xmlns:r="http://schemas.openxmlformats.org/officeDocument/2006/relationships" xmlns:p="http://schemas.openxmlformats.org/presentationml/2006/main">
   <p:cSld>
@@ -9130,6 +9175,7 @@
   <p:sldLayoutIdLst>
     <p:sldLayoutId id="2147483649" r:id="rId1"/>
     <p:sldLayoutId id="2147483650" r:id="rId2"/>
+    <p:sldLayoutId id="2147483690" r:id="rId3"/>
   </p:sldLayoutIdLst>
   <p:hf hdr="0" ftr="0" dt="0"/>
   <p:txStyles>
@@ -13366,7 +13412,13 @@
               <a:rPr lang="en-US" b="1" dirty="0" smtClean="0">
                 <a:latin typeface="DM Sans" pitchFamily="2" charset="0"/>
               </a:rPr>
-              <a:t>Page: 10</a:t>
+              <a:t>Page: </a:t>
+            </a:r>
+            <a:r>
+              <a:rPr lang="en-US" b="1" dirty="0" smtClean="0">
+                <a:latin typeface="DM Sans" pitchFamily="2" charset="0"/>
+              </a:rPr>
+              <a:t>11</a:t>
             </a:r>
             <a:endParaRPr lang="en-US" b="1" dirty="0">
               <a:latin typeface="DM Sans" pitchFamily="2" charset="0"/>
@@ -14286,7 +14338,13 @@
               <a:rPr lang="en-US" b="1" dirty="0" smtClean="0">
                 <a:latin typeface="DM Sans" pitchFamily="2" charset="0"/>
               </a:rPr>
-              <a:t>Page: 11</a:t>
+              <a:t>Page: </a:t>
+            </a:r>
+            <a:r>
+              <a:rPr lang="en-US" b="1" dirty="0" smtClean="0">
+                <a:latin typeface="DM Sans" pitchFamily="2" charset="0"/>
+              </a:rPr>
+              <a:t>12</a:t>
             </a:r>
             <a:endParaRPr lang="en-US" b="1" dirty="0">
               <a:latin typeface="DM Sans" pitchFamily="2" charset="0"/>
@@ -15702,7 +15760,13 @@
               <a:rPr lang="en-US" b="1" dirty="0" smtClean="0">
                 <a:latin typeface="DM Sans" pitchFamily="2" charset="0"/>
               </a:rPr>
-              <a:t>Page: 12</a:t>
+              <a:t>Page: </a:t>
+            </a:r>
+            <a:r>
+              <a:rPr lang="en-US" b="1" dirty="0" smtClean="0">
+                <a:latin typeface="DM Sans" pitchFamily="2" charset="0"/>
+              </a:rPr>
+              <a:t>13</a:t>
             </a:r>
             <a:endParaRPr lang="en-US" b="1" dirty="0">
               <a:latin typeface="DM Sans" pitchFamily="2" charset="0"/>
@@ -16009,6 +16073,164 @@
 </file>
 
 <file path=ppt/slides/slide15.xml><?xml version="1.0" encoding="utf-8"?>
+<p:sld xmlns:a="http://schemas.openxmlformats.org/drawingml/2006/main" xmlns:r="http://schemas.openxmlformats.org/officeDocument/2006/relationships" xmlns:p="http://schemas.openxmlformats.org/presentationml/2006/main">
+  <p:cSld>
+    <p:spTree>
+      <p:nvGrpSpPr>
+        <p:cNvPr id="1" name=""/>
+        <p:cNvGrpSpPr/>
+        <p:nvPr/>
+      </p:nvGrpSpPr>
+      <p:grpSpPr>
+        <a:xfrm>
+          <a:off x="0" y="0"/>
+          <a:ext cx="0" cy="0"/>
+          <a:chOff x="0" y="0"/>
+          <a:chExt cx="0" cy="0"/>
+        </a:xfrm>
+      </p:grpSpPr>
+      <p:sp>
+        <p:nvSpPr>
+          <p:cNvPr id="13" name="직사각형 12">
+            <a:extLst>
+              <a:ext uri="{FF2B5EF4-FFF2-40B4-BE49-F238E27FC236}">
+                <a16:creationId xmlns:a16="http://schemas.microsoft.com/office/drawing/2014/main" id="{12D872A2-2F94-4F5A-9D93-B5959D563F15}"/>
+              </a:ext>
+            </a:extLst>
+          </p:cNvPr>
+          <p:cNvSpPr/>
+          <p:nvPr/>
+        </p:nvSpPr>
+        <p:spPr>
+          <a:xfrm>
+            <a:off x="2852737" y="2828927"/>
+            <a:ext cx="6486525" cy="1752600"/>
+          </a:xfrm>
+          <a:prstGeom prst="rect">
+            <a:avLst/>
+          </a:prstGeom>
+          <a:solidFill>
+            <a:schemeClr val="tx1">
+              <a:lumMod val="65000"/>
+              <a:lumOff val="35000"/>
+              <a:alpha val="40000"/>
+            </a:schemeClr>
+          </a:solidFill>
+          <a:ln>
+            <a:noFill/>
+          </a:ln>
+        </p:spPr>
+        <p:style>
+          <a:lnRef idx="2">
+            <a:schemeClr val="accent1">
+              <a:shade val="50000"/>
+            </a:schemeClr>
+          </a:lnRef>
+          <a:fillRef idx="1">
+            <a:schemeClr val="accent1"/>
+          </a:fillRef>
+          <a:effectRef idx="0">
+            <a:schemeClr val="accent1"/>
+          </a:effectRef>
+          <a:fontRef idx="minor">
+            <a:schemeClr val="lt1"/>
+          </a:fontRef>
+        </p:style>
+        <p:txBody>
+          <a:bodyPr rtlCol="0" anchor="ctr"/>
+          <a:lstStyle/>
+          <a:p>
+            <a:pPr algn="ctr"/>
+            <a:endParaRPr lang="ko-KR" altLang="en-US">
+              <a:ln w="0"/>
+              <a:solidFill>
+                <a:schemeClr val="tx1"/>
+              </a:solidFill>
+              <a:effectLst>
+                <a:glow rad="101600">
+                  <a:schemeClr val="accent3">
+                    <a:satMod val="175000"/>
+                    <a:alpha val="40000"/>
+                  </a:schemeClr>
+                </a:glow>
+                <a:outerShdw blurRad="38100" dist="19050" dir="2700000" algn="tl" rotWithShape="0">
+                  <a:schemeClr val="dk1">
+                    <a:alpha val="40000"/>
+                  </a:schemeClr>
+                </a:outerShdw>
+              </a:effectLst>
+            </a:endParaRPr>
+          </a:p>
+        </p:txBody>
+      </p:sp>
+      <p:sp>
+        <p:nvSpPr>
+          <p:cNvPr id="14" name="TextBox 13">
+            <a:extLst>
+              <a:ext uri="{FF2B5EF4-FFF2-40B4-BE49-F238E27FC236}">
+                <a16:creationId xmlns:a16="http://schemas.microsoft.com/office/drawing/2014/main" id="{A6473D37-E6C0-439E-A18E-354246D80E91}"/>
+              </a:ext>
+            </a:extLst>
+          </p:cNvPr>
+          <p:cNvSpPr txBox="1"/>
+          <p:nvPr/>
+        </p:nvSpPr>
+        <p:spPr>
+          <a:xfrm>
+            <a:off x="3471800" y="3243562"/>
+            <a:ext cx="5248401" cy="923330"/>
+          </a:xfrm>
+          <a:prstGeom prst="rect">
+            <a:avLst/>
+          </a:prstGeom>
+          <a:noFill/>
+        </p:spPr>
+        <p:txBody>
+          <a:bodyPr wrap="square" rtlCol="0" anchor="ctr">
+            <a:spAutoFit/>
+          </a:bodyPr>
+          <a:lstStyle/>
+          <a:p>
+            <a:pPr algn="ctr"/>
+            <a:r>
+              <a:rPr lang="en-GB" altLang="ko-KR" sz="5400" b="1" dirty="0" smtClean="0">
+                <a:solidFill>
+                  <a:schemeClr val="bg1"/>
+                </a:solidFill>
+                <a:cs typeface="Arial" pitchFamily="34" charset="0"/>
+              </a:rPr>
+              <a:t>Any Questions?</a:t>
+            </a:r>
+            <a:endParaRPr lang="ko-KR" altLang="en-US" sz="5400" dirty="0">
+              <a:solidFill>
+                <a:schemeClr val="bg1"/>
+              </a:solidFill>
+              <a:cs typeface="Arial" pitchFamily="34" charset="0"/>
+            </a:endParaRPr>
+          </a:p>
+        </p:txBody>
+      </p:sp>
+    </p:spTree>
+    <p:extLst>
+      <p:ext uri="{BB962C8B-B14F-4D97-AF65-F5344CB8AC3E}">
+        <p14:creationId xmlns:p14="http://schemas.microsoft.com/office/powerpoint/2010/main" val="1315668651"/>
+      </p:ext>
+    </p:extLst>
+  </p:cSld>
+  <p:clrMapOvr>
+    <a:masterClrMapping/>
+  </p:clrMapOvr>
+  <p:timing>
+    <p:tnLst>
+      <p:par>
+        <p:cTn id="1" dur="indefinite" restart="never" nodeType="tmRoot"/>
+      </p:par>
+    </p:tnLst>
+  </p:timing>
+</p:sld>
+</file>
+
+<file path=ppt/slides/slide16.xml><?xml version="1.0" encoding="utf-8"?>
 <p:sld xmlns:a="http://schemas.openxmlformats.org/drawingml/2006/main" xmlns:r="http://schemas.openxmlformats.org/officeDocument/2006/relationships" xmlns:p="http://schemas.openxmlformats.org/presentationml/2006/main">
   <p:cSld>
     <p:spTree>
